--- a/Figures/AConstructiveTypeofChoice.pptx
+++ b/Figures/AConstructiveTypeofChoice.pptx
@@ -288,7 +288,7 @@
           <a:p>
             <a:fld id="{47B9A199-D001-9B4E-B758-14EC809AFE55}" type="datetimeFigureOut">
               <a:rPr lang="da-DK" smtClean="0"/>
-              <a:t>31/05/14</a:t>
+              <a:t>12/07/14</a:t>
             </a:fld>
             <a:endParaRPr lang="en-GB"/>
           </a:p>
@@ -458,7 +458,7 @@
           <a:p>
             <a:fld id="{47B9A199-D001-9B4E-B758-14EC809AFE55}" type="datetimeFigureOut">
               <a:rPr lang="da-DK" smtClean="0"/>
-              <a:t>31/05/14</a:t>
+              <a:t>12/07/14</a:t>
             </a:fld>
             <a:endParaRPr lang="en-GB"/>
           </a:p>
@@ -638,7 +638,7 @@
           <a:p>
             <a:fld id="{47B9A199-D001-9B4E-B758-14EC809AFE55}" type="datetimeFigureOut">
               <a:rPr lang="da-DK" smtClean="0"/>
-              <a:t>31/05/14</a:t>
+              <a:t>12/07/14</a:t>
             </a:fld>
             <a:endParaRPr lang="en-GB"/>
           </a:p>
@@ -808,7 +808,7 @@
           <a:p>
             <a:fld id="{47B9A199-D001-9B4E-B758-14EC809AFE55}" type="datetimeFigureOut">
               <a:rPr lang="da-DK" smtClean="0"/>
-              <a:t>31/05/14</a:t>
+              <a:t>12/07/14</a:t>
             </a:fld>
             <a:endParaRPr lang="en-GB"/>
           </a:p>
@@ -1054,7 +1054,7 @@
           <a:p>
             <a:fld id="{47B9A199-D001-9B4E-B758-14EC809AFE55}" type="datetimeFigureOut">
               <a:rPr lang="da-DK" smtClean="0"/>
-              <a:t>31/05/14</a:t>
+              <a:t>12/07/14</a:t>
             </a:fld>
             <a:endParaRPr lang="en-GB"/>
           </a:p>
@@ -1342,7 +1342,7 @@
           <a:p>
             <a:fld id="{47B9A199-D001-9B4E-B758-14EC809AFE55}" type="datetimeFigureOut">
               <a:rPr lang="da-DK" smtClean="0"/>
-              <a:t>31/05/14</a:t>
+              <a:t>12/07/14</a:t>
             </a:fld>
             <a:endParaRPr lang="en-GB"/>
           </a:p>
@@ -1764,7 +1764,7 @@
           <a:p>
             <a:fld id="{47B9A199-D001-9B4E-B758-14EC809AFE55}" type="datetimeFigureOut">
               <a:rPr lang="da-DK" smtClean="0"/>
-              <a:t>31/05/14</a:t>
+              <a:t>12/07/14</a:t>
             </a:fld>
             <a:endParaRPr lang="en-GB"/>
           </a:p>
@@ -1882,7 +1882,7 @@
           <a:p>
             <a:fld id="{47B9A199-D001-9B4E-B758-14EC809AFE55}" type="datetimeFigureOut">
               <a:rPr lang="da-DK" smtClean="0"/>
-              <a:t>31/05/14</a:t>
+              <a:t>12/07/14</a:t>
             </a:fld>
             <a:endParaRPr lang="en-GB"/>
           </a:p>
@@ -1977,7 +1977,7 @@
           <a:p>
             <a:fld id="{47B9A199-D001-9B4E-B758-14EC809AFE55}" type="datetimeFigureOut">
               <a:rPr lang="da-DK" smtClean="0"/>
-              <a:t>31/05/14</a:t>
+              <a:t>12/07/14</a:t>
             </a:fld>
             <a:endParaRPr lang="en-GB"/>
           </a:p>
@@ -2254,7 +2254,7 @@
           <a:p>
             <a:fld id="{47B9A199-D001-9B4E-B758-14EC809AFE55}" type="datetimeFigureOut">
               <a:rPr lang="da-DK" smtClean="0"/>
-              <a:t>31/05/14</a:t>
+              <a:t>12/07/14</a:t>
             </a:fld>
             <a:endParaRPr lang="en-GB"/>
           </a:p>
@@ -2507,7 +2507,7 @@
           <a:p>
             <a:fld id="{47B9A199-D001-9B4E-B758-14EC809AFE55}" type="datetimeFigureOut">
               <a:rPr lang="da-DK" smtClean="0"/>
-              <a:t>31/05/14</a:t>
+              <a:t>12/07/14</a:t>
             </a:fld>
             <a:endParaRPr lang="en-GB"/>
           </a:p>
@@ -2720,7 +2720,7 @@
           <a:p>
             <a:fld id="{47B9A199-D001-9B4E-B758-14EC809AFE55}" type="datetimeFigureOut">
               <a:rPr lang="da-DK" smtClean="0"/>
-              <a:t>31/05/14</a:t>
+              <a:t>12/07/14</a:t>
             </a:fld>
             <a:endParaRPr lang="en-GB"/>
           </a:p>
@@ -3699,11 +3699,25 @@
               <a:t>l’</a:t>
             </a:r>
             <a:r>
+              <a:rPr lang="fr-FR" dirty="0">
+                <a:latin typeface="Lucida Console"/>
+                <a:cs typeface="Lucida Console"/>
+              </a:rPr>
+              <a:t> </a:t>
+            </a:r>
+            <a:r>
               <a:rPr lang="fr-FR" dirty="0" smtClean="0">
                 <a:latin typeface="Lucida Console"/>
                 <a:cs typeface="Lucida Console"/>
               </a:rPr>
-              <a:t>,</a:t>
+              <a:t>=&gt; </a:t>
+            </a:r>
+            <a:r>
+              <a:rPr lang="fr-FR" dirty="0">
+                <a:latin typeface="Lucida Console"/>
+                <a:cs typeface="Lucida Console"/>
+              </a:rPr>
+              <a:t>\</a:t>
             </a:r>
             <a:r>
               <a:rPr lang="fr-FR" dirty="0" err="1" smtClean="0">
